--- a/lectures_strang_en/Lecture_07_Strang_EN.pptx
+++ b/lectures_strang_en/Lecture_07_Strang_EN.pptx
@@ -238,7 +238,7 @@
           <a:p>
             <a:fld id="{C7B76BB3-96B4-D949-BA97-2F034CC20E35}" type="datetimeFigureOut">
               <a:rPr lang="es-ES_tradnl" smtClean="0"/>
-              <a:t>26/4/20</a:t>
+              <a:t>27/4/20</a:t>
             </a:fld>
             <a:endParaRPr lang="es-ES_tradnl"/>
           </a:p>
@@ -411,7 +411,7 @@
           <a:p>
             <a:fld id="{BC3897DA-3038-2943-8BC6-34E6C6DE6379}" type="datetimeFigureOut">
               <a:rPr lang="es-ES_tradnl" smtClean="0"/>
-              <a:t>26/4/20</a:t>
+              <a:t>27/4/20</a:t>
             </a:fld>
             <a:endParaRPr lang="es-ES_tradnl"/>
           </a:p>
@@ -873,7 +873,7 @@
             <a:fld id="{75EEBB46-7A81-4557-A313-00D814F92FCC}" type="datetimeFigureOut">
               <a:rPr lang="es-ES" smtClean="0"/>
               <a:pPr/>
-              <a:t>26/4/20</a:t>
+              <a:t>27/4/20</a:t>
             </a:fld>
             <a:endParaRPr lang="es-ES"/>
           </a:p>
@@ -1236,7 +1236,7 @@
             <a:fld id="{75EEBB46-7A81-4557-A313-00D814F92FCC}" type="datetimeFigureOut">
               <a:rPr lang="es-ES" smtClean="0"/>
               <a:pPr/>
-              <a:t>26/4/20</a:t>
+              <a:t>27/4/20</a:t>
             </a:fld>
             <a:endParaRPr lang="es-ES"/>
           </a:p>
@@ -1421,7 +1421,7 @@
             <a:fld id="{75EEBB46-7A81-4557-A313-00D814F92FCC}" type="datetimeFigureOut">
               <a:rPr lang="es-ES" smtClean="0"/>
               <a:pPr/>
-              <a:t>26/4/20</a:t>
+              <a:t>27/4/20</a:t>
             </a:fld>
             <a:endParaRPr lang="es-ES"/>
           </a:p>
@@ -1544,7 +1544,7 @@
             <a:fld id="{75EEBB46-7A81-4557-A313-00D814F92FCC}" type="datetimeFigureOut">
               <a:rPr lang="es-ES" smtClean="0"/>
               <a:pPr/>
-              <a:t>26/4/20</a:t>
+              <a:t>27/4/20</a:t>
             </a:fld>
             <a:endParaRPr lang="es-ES"/>
           </a:p>
@@ -1912,7 +1912,7 @@
             <a:fld id="{75EEBB46-7A81-4557-A313-00D814F92FCC}" type="datetimeFigureOut">
               <a:rPr lang="es-ES" smtClean="0"/>
               <a:pPr/>
-              <a:t>26/4/20</a:t>
+              <a:t>27/4/20</a:t>
             </a:fld>
             <a:endParaRPr lang="es-ES"/>
           </a:p>
@@ -2187,7 +2187,7 @@
             <a:fld id="{75EEBB46-7A81-4557-A313-00D814F92FCC}" type="datetimeFigureOut">
               <a:rPr lang="es-ES" smtClean="0"/>
               <a:pPr/>
-              <a:t>26/4/20</a:t>
+              <a:t>27/4/20</a:t>
             </a:fld>
             <a:endParaRPr lang="es-ES"/>
           </a:p>
@@ -2559,7 +2559,7 @@
             <a:fld id="{75EEBB46-7A81-4557-A313-00D814F92FCC}" type="datetimeFigureOut">
               <a:rPr lang="es-ES" smtClean="0"/>
               <a:pPr/>
-              <a:t>26/4/20</a:t>
+              <a:t>27/4/20</a:t>
             </a:fld>
             <a:endParaRPr lang="es-ES"/>
           </a:p>
@@ -2796,7 +2796,7 @@
             <a:fld id="{75EEBB46-7A81-4557-A313-00D814F92FCC}" type="datetimeFigureOut">
               <a:rPr lang="es-ES" smtClean="0"/>
               <a:pPr/>
-              <a:t>26/4/20</a:t>
+              <a:t>27/4/20</a:t>
             </a:fld>
             <a:endParaRPr lang="es-ES"/>
           </a:p>
@@ -2896,7 +2896,7 @@
             <a:fld id="{75EEBB46-7A81-4557-A313-00D814F92FCC}" type="datetimeFigureOut">
               <a:rPr lang="es-ES" smtClean="0"/>
               <a:pPr/>
-              <a:t>26/4/20</a:t>
+              <a:t>27/4/20</a:t>
             </a:fld>
             <a:endParaRPr lang="es-ES"/>
           </a:p>
@@ -3173,7 +3173,7 @@
             <a:fld id="{75EEBB46-7A81-4557-A313-00D814F92FCC}" type="datetimeFigureOut">
               <a:rPr lang="es-ES" smtClean="0"/>
               <a:pPr/>
-              <a:t>26/4/20</a:t>
+              <a:t>27/4/20</a:t>
             </a:fld>
             <a:endParaRPr lang="es-ES"/>
           </a:p>
@@ -3411,7 +3411,7 @@
             <a:fld id="{75EEBB46-7A81-4557-A313-00D814F92FCC}" type="datetimeFigureOut">
               <a:rPr lang="es-ES" smtClean="0"/>
               <a:pPr/>
-              <a:t>26/4/20</a:t>
+              <a:t>27/4/20</a:t>
             </a:fld>
             <a:endParaRPr lang="es-ES"/>
           </a:p>
@@ -3912,7 +3912,7 @@
             <a:fld id="{75EEBB46-7A81-4557-A313-00D814F92FCC}" type="datetimeFigureOut">
               <a:rPr lang="es-ES" smtClean="0"/>
               <a:pPr/>
-              <a:t>26/4/20</a:t>
+              <a:t>27/4/20</a:t>
             </a:fld>
             <a:endParaRPr lang="es-ES"/>
           </a:p>
@@ -5878,8 +5878,8 @@
           <a:chExt cx="0" cy="0"/>
         </a:xfrm>
       </p:grpSpPr>
-      <mc:AlternateContent xmlns:mc="http://schemas.openxmlformats.org/markup-compatibility/2006" xmlns:a14="http://schemas.microsoft.com/office/drawing/2010/main">
-        <mc:Choice Requires="a14">
+      <mc:AlternateContent xmlns:mc="http://schemas.openxmlformats.org/markup-compatibility/2006">
+        <mc:Choice xmlns:a14="http://schemas.microsoft.com/office/drawing/2010/main" Requires="a14">
           <p:sp>
             <p:nvSpPr>
               <p:cNvPr id="5" name="Rectángulo 4">
@@ -5895,7 +5895,7 @@
             <p:spPr>
               <a:xfrm>
                 <a:off x="199991" y="992966"/>
-                <a:ext cx="3763081" cy="1162947"/>
+                <a:ext cx="3851311" cy="1161280"/>
               </a:xfrm>
               <a:prstGeom prst="rect">
                 <a:avLst/>
@@ -6317,7 +6317,7 @@
                           <m:begChr m:val="["/>
                           <m:endChr m:val="]"/>
                           <m:ctrlPr>
-                            <a:rPr lang="es-ES" sz="2000" i="1">
+                            <a:rPr lang="es-ES" sz="2000" i="1" smtClean="0">
                               <a:latin typeface="Cambria Math" panose="02040503050406030204" pitchFamily="18" charset="0"/>
                             </a:rPr>
                           </m:ctrlPr>
@@ -6334,7 +6334,7 @@
                                 </m:mc>
                               </m:mcs>
                               <m:ctrlPr>
-                                <a:rPr lang="es-ES" sz="2000" i="1">
+                                <a:rPr lang="es-ES" sz="2000" i="1" smtClean="0">
                                   <a:latin typeface="Cambria Math" panose="02040503050406030204" pitchFamily="18" charset="0"/>
                                 </a:rPr>
                               </m:ctrlPr>
@@ -6364,46 +6364,12 @@
                             </m:mr>
                             <m:mr>
                               <m:e>
-                                <m:m>
-                                  <m:mPr>
-                                    <m:mcs>
-                                      <m:mc>
-                                        <m:mcPr>
-                                          <m:count m:val="1"/>
-                                          <m:mcJc m:val="center"/>
-                                        </m:mcPr>
-                                      </m:mc>
-                                    </m:mcs>
-                                    <m:ctrlPr>
-                                      <a:rPr lang="es-ES" sz="2000" i="1">
-                                        <a:latin typeface="Cambria Math" panose="02040503050406030204" pitchFamily="18" charset="0"/>
-                                      </a:rPr>
-                                    </m:ctrlPr>
-                                  </m:mPr>
-                                  <m:mr>
-                                    <m:e>
-                                      <m:r>
-                                        <m:rPr>
-                                          <m:brk m:alnAt="7"/>
-                                        </m:rPr>
-                                        <a:rPr lang="es-ES" sz="2000" b="0" i="1" smtClean="0">
-                                          <a:latin typeface="Cambria Math" panose="02040503050406030204" pitchFamily="18" charset="0"/>
-                                        </a:rPr>
-                                        <m:t>0</m:t>
-                                      </m:r>
-                                    </m:e>
-                                  </m:mr>
-                                  <m:mr>
-                                    <m:e>
-                                      <m:r>
-                                        <a:rPr lang="es-ES" sz="2000" b="0" i="1" smtClean="0">
-                                          <a:latin typeface="Cambria Math" panose="02040503050406030204" pitchFamily="18" charset="0"/>
-                                        </a:rPr>
-                                        <m:t>0</m:t>
-                                      </m:r>
-                                    </m:e>
-                                  </m:mr>
-                                </m:m>
+                                <m:r>
+                                  <a:rPr lang="es-ES" sz="2000" b="0" i="1" smtClean="0">
+                                    <a:latin typeface="Cambria Math" panose="02040503050406030204" pitchFamily="18" charset="0"/>
+                                  </a:rPr>
+                                  <m:t>0</m:t>
+                                </m:r>
                               </m:e>
                             </m:mr>
                           </m:m>
@@ -6417,7 +6383,7 @@
             </p:txBody>
           </p:sp>
         </mc:Choice>
-        <mc:Fallback xmlns="">
+        <mc:Fallback>
           <p:sp>
             <p:nvSpPr>
               <p:cNvPr id="5" name="Rectángulo 4">
@@ -6435,7 +6401,7 @@
             <p:spPr>
               <a:xfrm>
                 <a:off x="199991" y="992966"/>
-                <a:ext cx="3763081" cy="1162947"/>
+                <a:ext cx="3851311" cy="1161280"/>
               </a:xfrm>
               <a:prstGeom prst="rect">
                 <a:avLst/>
@@ -6443,7 +6409,7 @@
               <a:blipFill>
                 <a:blip r:embed="rId2"/>
                 <a:stretch>
-                  <a:fillRect b="-2151"/>
+                  <a:fillRect/>
                 </a:stretch>
               </a:blipFill>
             </p:spPr>
@@ -8849,8 +8815,8 @@
           <a:chExt cx="0" cy="0"/>
         </a:xfrm>
       </p:grpSpPr>
-      <mc:AlternateContent xmlns:mc="http://schemas.openxmlformats.org/markup-compatibility/2006" xmlns:a14="http://schemas.microsoft.com/office/drawing/2010/main">
-        <mc:Choice Requires="a14">
+      <mc:AlternateContent xmlns:mc="http://schemas.openxmlformats.org/markup-compatibility/2006">
+        <mc:Choice xmlns:a14="http://schemas.microsoft.com/office/drawing/2010/main" Requires="a14">
           <p:sp>
             <p:nvSpPr>
               <p:cNvPr id="5" name="Rectángulo 4">
@@ -9316,7 +9282,7 @@
                                   <m:rPr>
                                     <m:brk m:alnAt="7"/>
                                   </m:rPr>
-                                  <a:rPr lang="es-ES" sz="2000" b="0" i="1" smtClean="0">
+                                  <a:rPr lang="es-ES" sz="2000" i="1">
                                     <a:latin typeface="Cambria Math" panose="02040503050406030204" pitchFamily="18" charset="0"/>
                                   </a:rPr>
                                   <m:t>0</m:t>
@@ -9326,7 +9292,7 @@
                             <m:mr>
                               <m:e>
                                 <m:r>
-                                  <a:rPr lang="es-ES" sz="2000" b="0" i="1" smtClean="0">
+                                  <a:rPr lang="es-ES" sz="2000" i="1">
                                     <a:latin typeface="Cambria Math" panose="02040503050406030204" pitchFamily="18" charset="0"/>
                                   </a:rPr>
                                   <m:t>0</m:t>
@@ -9335,46 +9301,12 @@
                             </m:mr>
                             <m:mr>
                               <m:e>
-                                <m:m>
-                                  <m:mPr>
-                                    <m:mcs>
-                                      <m:mc>
-                                        <m:mcPr>
-                                          <m:count m:val="1"/>
-                                          <m:mcJc m:val="center"/>
-                                        </m:mcPr>
-                                      </m:mc>
-                                    </m:mcs>
-                                    <m:ctrlPr>
-                                      <a:rPr lang="es-ES" sz="2000" i="1">
-                                        <a:latin typeface="Cambria Math" panose="02040503050406030204" pitchFamily="18" charset="0"/>
-                                      </a:rPr>
-                                    </m:ctrlPr>
-                                  </m:mPr>
-                                  <m:mr>
-                                    <m:e>
-                                      <m:r>
-                                        <m:rPr>
-                                          <m:brk m:alnAt="7"/>
-                                        </m:rPr>
-                                        <a:rPr lang="es-ES" sz="2000" b="0" i="1" smtClean="0">
-                                          <a:latin typeface="Cambria Math" panose="02040503050406030204" pitchFamily="18" charset="0"/>
-                                        </a:rPr>
-                                        <m:t>0</m:t>
-                                      </m:r>
-                                    </m:e>
-                                  </m:mr>
-                                  <m:mr>
-                                    <m:e>
-                                      <m:r>
-                                        <a:rPr lang="es-ES" sz="2000" b="0" i="1" smtClean="0">
-                                          <a:latin typeface="Cambria Math" panose="02040503050406030204" pitchFamily="18" charset="0"/>
-                                        </a:rPr>
-                                        <m:t>0</m:t>
-                                      </m:r>
-                                    </m:e>
-                                  </m:mr>
-                                </m:m>
+                                <m:r>
+                                  <a:rPr lang="es-ES" sz="2000" i="1">
+                                    <a:latin typeface="Cambria Math" panose="02040503050406030204" pitchFamily="18" charset="0"/>
+                                  </a:rPr>
+                                  <m:t>0</m:t>
+                                </m:r>
                               </m:e>
                             </m:mr>
                           </m:m>
@@ -9388,7 +9320,7 @@
             </p:txBody>
           </p:sp>
         </mc:Choice>
-        <mc:Fallback xmlns="">
+        <mc:Fallback>
           <p:sp>
             <p:nvSpPr>
               <p:cNvPr id="5" name="Rectángulo 4">
@@ -9414,7 +9346,7 @@
               <a:blipFill>
                 <a:blip r:embed="rId2"/>
                 <a:stretch>
-                  <a:fillRect b="-2151"/>
+                  <a:fillRect/>
                 </a:stretch>
               </a:blipFill>
             </p:spPr>
@@ -10744,7 +10676,7 @@
           </p:nvSpPr>
           <p:spPr>
             <a:xfrm>
-              <a:off x="7660112" y="2714724"/>
+              <a:off x="7361270" y="2736220"/>
               <a:ext cx="360040" cy="360040"/>
             </a:xfrm>
             <a:prstGeom prst="rect">
@@ -12782,8 +12714,8 @@
           <a:chExt cx="0" cy="0"/>
         </a:xfrm>
       </p:grpSpPr>
-      <mc:AlternateContent xmlns:mc="http://schemas.openxmlformats.org/markup-compatibility/2006" xmlns:a14="http://schemas.microsoft.com/office/drawing/2010/main">
-        <mc:Choice Requires="a14">
+      <mc:AlternateContent xmlns:mc="http://schemas.openxmlformats.org/markup-compatibility/2006">
+        <mc:Choice xmlns:a14="http://schemas.microsoft.com/office/drawing/2010/main" Requires="a14">
           <p:sp>
             <p:nvSpPr>
               <p:cNvPr id="5" name="Rectángulo 4">
@@ -13249,7 +13181,7 @@
                                   <m:rPr>
                                     <m:brk m:alnAt="7"/>
                                   </m:rPr>
-                                  <a:rPr lang="es-ES" sz="2000" b="0" i="1" smtClean="0">
+                                  <a:rPr lang="es-ES" sz="2000" i="1">
                                     <a:latin typeface="Cambria Math" panose="02040503050406030204" pitchFamily="18" charset="0"/>
                                   </a:rPr>
                                   <m:t>0</m:t>
@@ -13259,7 +13191,7 @@
                             <m:mr>
                               <m:e>
                                 <m:r>
-                                  <a:rPr lang="es-ES" sz="2000" b="0" i="1" smtClean="0">
+                                  <a:rPr lang="es-ES" sz="2000" i="1">
                                     <a:latin typeface="Cambria Math" panose="02040503050406030204" pitchFamily="18" charset="0"/>
                                   </a:rPr>
                                   <m:t>0</m:t>
@@ -13268,46 +13200,12 @@
                             </m:mr>
                             <m:mr>
                               <m:e>
-                                <m:m>
-                                  <m:mPr>
-                                    <m:mcs>
-                                      <m:mc>
-                                        <m:mcPr>
-                                          <m:count m:val="1"/>
-                                          <m:mcJc m:val="center"/>
-                                        </m:mcPr>
-                                      </m:mc>
-                                    </m:mcs>
-                                    <m:ctrlPr>
-                                      <a:rPr lang="es-ES" sz="2000" i="1">
-                                        <a:latin typeface="Cambria Math" panose="02040503050406030204" pitchFamily="18" charset="0"/>
-                                      </a:rPr>
-                                    </m:ctrlPr>
-                                  </m:mPr>
-                                  <m:mr>
-                                    <m:e>
-                                      <m:r>
-                                        <m:rPr>
-                                          <m:brk m:alnAt="7"/>
-                                        </m:rPr>
-                                        <a:rPr lang="es-ES" sz="2000" b="0" i="1" smtClean="0">
-                                          <a:latin typeface="Cambria Math" panose="02040503050406030204" pitchFamily="18" charset="0"/>
-                                        </a:rPr>
-                                        <m:t>0</m:t>
-                                      </m:r>
-                                    </m:e>
-                                  </m:mr>
-                                  <m:mr>
-                                    <m:e>
-                                      <m:r>
-                                        <a:rPr lang="es-ES" sz="2000" b="0" i="1" smtClean="0">
-                                          <a:latin typeface="Cambria Math" panose="02040503050406030204" pitchFamily="18" charset="0"/>
-                                        </a:rPr>
-                                        <m:t>0</m:t>
-                                      </m:r>
-                                    </m:e>
-                                  </m:mr>
-                                </m:m>
+                                <m:r>
+                                  <a:rPr lang="es-ES" sz="2000" i="1">
+                                    <a:latin typeface="Cambria Math" panose="02040503050406030204" pitchFamily="18" charset="0"/>
+                                  </a:rPr>
+                                  <m:t>0</m:t>
+                                </m:r>
                               </m:e>
                             </m:mr>
                           </m:m>
@@ -13321,7 +13219,7 @@
             </p:txBody>
           </p:sp>
         </mc:Choice>
-        <mc:Fallback xmlns="">
+        <mc:Fallback>
           <p:sp>
             <p:nvSpPr>
               <p:cNvPr id="5" name="Rectángulo 4">
@@ -13347,7 +13245,7 @@
               <a:blipFill>
                 <a:blip r:embed="rId2"/>
                 <a:stretch>
-                  <a:fillRect b="-3261"/>
+                  <a:fillRect/>
                 </a:stretch>
               </a:blipFill>
             </p:spPr>
@@ -14481,7 +14379,7 @@
           </p:nvSpPr>
           <p:spPr>
             <a:xfrm>
-              <a:off x="1300497" y="5525363"/>
+              <a:off x="1497235" y="5540998"/>
               <a:ext cx="360040" cy="360040"/>
             </a:xfrm>
             <a:prstGeom prst="rect">
